--- a/presentations/05 - Qualidade de codigo - Acoplamento e Coesao.pptx
+++ b/presentations/05 - Qualidade de codigo - Acoplamento e Coesao.pptx
@@ -228,7 +228,7 @@
             <a:fld id="{9DEF996C-CA2C-436E-A903-7F2E7C68ADF8}" type="datetimeFigureOut">
               <a:rPr lang="en-US" smtClean="0"/>
               <a:pPr/>
-              <a:t>7/6/2020</a:t>
+              <a:t>7/14/2020</a:t>
             </a:fld>
             <a:endParaRPr lang="en-US"/>
           </a:p>
@@ -395,7 +395,7 @@
             <a:fld id="{56D6514A-F4CA-40F5-B508-6CC5FEA6DD64}" type="datetimeFigureOut">
               <a:rPr lang="en-US" smtClean="0"/>
               <a:pPr/>
-              <a:t>7/6/2020</a:t>
+              <a:t>7/14/2020</a:t>
             </a:fld>
             <a:endParaRPr lang="en-US"/>
           </a:p>
@@ -666,6 +666,373 @@
 </p:notesMaster>
 </file>
 
+<file path=ppt/notesSlides/notesSlide1.xml><?xml version="1.0" encoding="utf-8"?>
+<p:notes xmlns:a="http://schemas.openxmlformats.org/drawingml/2006/main" xmlns:r="http://schemas.openxmlformats.org/officeDocument/2006/relationships" xmlns:p="http://schemas.openxmlformats.org/presentationml/2006/main">
+  <p:cSld>
+    <p:spTree>
+      <p:nvGrpSpPr>
+        <p:cNvPr id="1" name=""/>
+        <p:cNvGrpSpPr/>
+        <p:nvPr/>
+      </p:nvGrpSpPr>
+      <p:grpSpPr>
+        <a:xfrm>
+          <a:off x="0" y="0"/>
+          <a:ext cx="0" cy="0"/>
+          <a:chOff x="0" y="0"/>
+          <a:chExt cx="0" cy="0"/>
+        </a:xfrm>
+      </p:grpSpPr>
+      <p:sp>
+        <p:nvSpPr>
+          <p:cNvPr id="2" name="Slide Image Placeholder 1"/>
+          <p:cNvSpPr>
+            <a:spLocks noGrp="1" noRot="1" noChangeAspect="1"/>
+          </p:cNvSpPr>
+          <p:nvPr>
+            <p:ph type="sldImg"/>
+          </p:nvPr>
+        </p:nvSpPr>
+        <p:spPr/>
+      </p:sp>
+      <p:sp>
+        <p:nvSpPr>
+          <p:cNvPr id="3" name="Notes Placeholder 2"/>
+          <p:cNvSpPr>
+            <a:spLocks noGrp="1"/>
+          </p:cNvSpPr>
+          <p:nvPr>
+            <p:ph type="body" idx="1"/>
+          </p:nvPr>
+        </p:nvSpPr>
+        <p:spPr/>
+        <p:txBody>
+          <a:bodyPr/>
+          <a:lstStyle/>
+          <a:p>
+            <a:r>
+              <a:rPr lang="pt-BR" dirty="0"/>
+              <a:t>5 capitulo e 2 da série sobre Qualidade de código</a:t>
+            </a:r>
+          </a:p>
+        </p:txBody>
+      </p:sp>
+      <p:sp>
+        <p:nvSpPr>
+          <p:cNvPr id="4" name="Slide Number Placeholder 3"/>
+          <p:cNvSpPr>
+            <a:spLocks noGrp="1"/>
+          </p:cNvSpPr>
+          <p:nvPr>
+            <p:ph type="sldNum" sz="quarter" idx="5"/>
+          </p:nvPr>
+        </p:nvSpPr>
+        <p:spPr/>
+        <p:txBody>
+          <a:bodyPr/>
+          <a:lstStyle/>
+          <a:p>
+            <a:fld id="{CE2B8404-7DFF-4128-BBDB-E2DC0C77B126}" type="slidenum">
+              <a:rPr lang="en-US" smtClean="0"/>
+              <a:pPr/>
+              <a:t>1</a:t>
+            </a:fld>
+            <a:endParaRPr lang="en-US"/>
+          </a:p>
+        </p:txBody>
+      </p:sp>
+    </p:spTree>
+    <p:extLst>
+      <p:ext uri="{BB962C8B-B14F-4D97-AF65-F5344CB8AC3E}">
+        <p14:creationId xmlns:p14="http://schemas.microsoft.com/office/powerpoint/2010/main" val="2496093327"/>
+      </p:ext>
+    </p:extLst>
+  </p:cSld>
+  <p:clrMapOvr>
+    <a:masterClrMapping/>
+  </p:clrMapOvr>
+</p:notes>
+</file>
+
+<file path=ppt/notesSlides/notesSlide2.xml><?xml version="1.0" encoding="utf-8"?>
+<p:notes xmlns:a="http://schemas.openxmlformats.org/drawingml/2006/main" xmlns:r="http://schemas.openxmlformats.org/officeDocument/2006/relationships" xmlns:p="http://schemas.openxmlformats.org/presentationml/2006/main">
+  <p:cSld>
+    <p:spTree>
+      <p:nvGrpSpPr>
+        <p:cNvPr id="1" name=""/>
+        <p:cNvGrpSpPr/>
+        <p:nvPr/>
+      </p:nvGrpSpPr>
+      <p:grpSpPr>
+        <a:xfrm>
+          <a:off x="0" y="0"/>
+          <a:ext cx="0" cy="0"/>
+          <a:chOff x="0" y="0"/>
+          <a:chExt cx="0" cy="0"/>
+        </a:xfrm>
+      </p:grpSpPr>
+      <p:sp>
+        <p:nvSpPr>
+          <p:cNvPr id="2" name="Slide Image Placeholder 1"/>
+          <p:cNvSpPr>
+            <a:spLocks noGrp="1" noRot="1" noChangeAspect="1"/>
+          </p:cNvSpPr>
+          <p:nvPr>
+            <p:ph type="sldImg"/>
+          </p:nvPr>
+        </p:nvSpPr>
+        <p:spPr/>
+      </p:sp>
+      <p:sp>
+        <p:nvSpPr>
+          <p:cNvPr id="3" name="Notes Placeholder 2"/>
+          <p:cNvSpPr>
+            <a:spLocks noGrp="1"/>
+          </p:cNvSpPr>
+          <p:nvPr>
+            <p:ph type="body" idx="1"/>
+          </p:nvPr>
+        </p:nvSpPr>
+        <p:spPr/>
+        <p:txBody>
+          <a:bodyPr/>
+          <a:lstStyle/>
+          <a:p>
+            <a:r>
+              <a:rPr lang="pt-BR" dirty="0"/>
+              <a:t>Automação/ Forma de Trabalhar </a:t>
+            </a:r>
+          </a:p>
+        </p:txBody>
+      </p:sp>
+      <p:sp>
+        <p:nvSpPr>
+          <p:cNvPr id="4" name="Slide Number Placeholder 3"/>
+          <p:cNvSpPr>
+            <a:spLocks noGrp="1"/>
+          </p:cNvSpPr>
+          <p:nvPr>
+            <p:ph type="sldNum" sz="quarter" idx="5"/>
+          </p:nvPr>
+        </p:nvSpPr>
+        <p:spPr/>
+        <p:txBody>
+          <a:bodyPr/>
+          <a:lstStyle/>
+          <a:p>
+            <a:fld id="{CE2B8404-7DFF-4128-BBDB-E2DC0C77B126}" type="slidenum">
+              <a:rPr lang="en-US" smtClean="0"/>
+              <a:pPr/>
+              <a:t>2</a:t>
+            </a:fld>
+            <a:endParaRPr lang="en-US"/>
+          </a:p>
+        </p:txBody>
+      </p:sp>
+    </p:spTree>
+    <p:extLst>
+      <p:ext uri="{BB962C8B-B14F-4D97-AF65-F5344CB8AC3E}">
+        <p14:creationId xmlns:p14="http://schemas.microsoft.com/office/powerpoint/2010/main" val="75213546"/>
+      </p:ext>
+    </p:extLst>
+  </p:cSld>
+  <p:clrMapOvr>
+    <a:masterClrMapping/>
+  </p:clrMapOvr>
+</p:notes>
+</file>
+
+<file path=ppt/notesSlides/notesSlide3.xml><?xml version="1.0" encoding="utf-8"?>
+<p:notes xmlns:a="http://schemas.openxmlformats.org/drawingml/2006/main" xmlns:r="http://schemas.openxmlformats.org/officeDocument/2006/relationships" xmlns:p="http://schemas.openxmlformats.org/presentationml/2006/main">
+  <p:cSld>
+    <p:spTree>
+      <p:nvGrpSpPr>
+        <p:cNvPr id="1" name=""/>
+        <p:cNvGrpSpPr/>
+        <p:nvPr/>
+      </p:nvGrpSpPr>
+      <p:grpSpPr>
+        <a:xfrm>
+          <a:off x="0" y="0"/>
+          <a:ext cx="0" cy="0"/>
+          <a:chOff x="0" y="0"/>
+          <a:chExt cx="0" cy="0"/>
+        </a:xfrm>
+      </p:grpSpPr>
+      <p:sp>
+        <p:nvSpPr>
+          <p:cNvPr id="2" name="Slide Image Placeholder 1"/>
+          <p:cNvSpPr>
+            <a:spLocks noGrp="1" noRot="1" noChangeAspect="1"/>
+          </p:cNvSpPr>
+          <p:nvPr>
+            <p:ph type="sldImg"/>
+          </p:nvPr>
+        </p:nvSpPr>
+        <p:spPr/>
+      </p:sp>
+      <p:sp>
+        <p:nvSpPr>
+          <p:cNvPr id="3" name="Notes Placeholder 2"/>
+          <p:cNvSpPr>
+            <a:spLocks noGrp="1"/>
+          </p:cNvSpPr>
+          <p:nvPr>
+            <p:ph type="body" idx="1"/>
+          </p:nvPr>
+        </p:nvSpPr>
+        <p:spPr/>
+        <p:txBody>
+          <a:bodyPr/>
+          <a:lstStyle/>
+          <a:p>
+            <a:r>
+              <a:rPr lang="pt-BR" dirty="0"/>
+              <a:t>Princípios da engenharia de software!</a:t>
+            </a:r>
+          </a:p>
+          <a:p>
+            <a:r>
+              <a:rPr lang="pt-BR" dirty="0"/>
+              <a:t>Orientação a objetos fortemente usa os conceitos de Coesão, acoplamento e encapsulamento</a:t>
+            </a:r>
+          </a:p>
+          <a:p>
+            <a:r>
+              <a:rPr lang="pt-BR" dirty="0"/>
+              <a:t>Coesão é quanto de responsabilidade – Única e clara</a:t>
+            </a:r>
+          </a:p>
+          <a:p>
+            <a:r>
+              <a:rPr lang="pt-BR" dirty="0"/>
+              <a:t>Acoplamento – dependência entre os componentes</a:t>
+            </a:r>
+          </a:p>
+        </p:txBody>
+      </p:sp>
+      <p:sp>
+        <p:nvSpPr>
+          <p:cNvPr id="4" name="Slide Number Placeholder 3"/>
+          <p:cNvSpPr>
+            <a:spLocks noGrp="1"/>
+          </p:cNvSpPr>
+          <p:nvPr>
+            <p:ph type="sldNum" sz="quarter" idx="5"/>
+          </p:nvPr>
+        </p:nvSpPr>
+        <p:spPr/>
+        <p:txBody>
+          <a:bodyPr/>
+          <a:lstStyle/>
+          <a:p>
+            <a:fld id="{CE2B8404-7DFF-4128-BBDB-E2DC0C77B126}" type="slidenum">
+              <a:rPr lang="en-US" smtClean="0"/>
+              <a:pPr/>
+              <a:t>4</a:t>
+            </a:fld>
+            <a:endParaRPr lang="en-US"/>
+          </a:p>
+        </p:txBody>
+      </p:sp>
+    </p:spTree>
+    <p:extLst>
+      <p:ext uri="{BB962C8B-B14F-4D97-AF65-F5344CB8AC3E}">
+        <p14:creationId xmlns:p14="http://schemas.microsoft.com/office/powerpoint/2010/main" val="4053685968"/>
+      </p:ext>
+    </p:extLst>
+  </p:cSld>
+  <p:clrMapOvr>
+    <a:masterClrMapping/>
+  </p:clrMapOvr>
+</p:notes>
+</file>
+
+<file path=ppt/notesSlides/notesSlide4.xml><?xml version="1.0" encoding="utf-8"?>
+<p:notes xmlns:a="http://schemas.openxmlformats.org/drawingml/2006/main" xmlns:r="http://schemas.openxmlformats.org/officeDocument/2006/relationships" xmlns:p="http://schemas.openxmlformats.org/presentationml/2006/main">
+  <p:cSld>
+    <p:spTree>
+      <p:nvGrpSpPr>
+        <p:cNvPr id="1" name=""/>
+        <p:cNvGrpSpPr/>
+        <p:nvPr/>
+      </p:nvGrpSpPr>
+      <p:grpSpPr>
+        <a:xfrm>
+          <a:off x="0" y="0"/>
+          <a:ext cx="0" cy="0"/>
+          <a:chOff x="0" y="0"/>
+          <a:chExt cx="0" cy="0"/>
+        </a:xfrm>
+      </p:grpSpPr>
+      <p:sp>
+        <p:nvSpPr>
+          <p:cNvPr id="2" name="Slide Image Placeholder 1"/>
+          <p:cNvSpPr>
+            <a:spLocks noGrp="1" noRot="1" noChangeAspect="1"/>
+          </p:cNvSpPr>
+          <p:nvPr>
+            <p:ph type="sldImg"/>
+          </p:nvPr>
+        </p:nvSpPr>
+        <p:spPr/>
+      </p:sp>
+      <p:sp>
+        <p:nvSpPr>
+          <p:cNvPr id="3" name="Notes Placeholder 2"/>
+          <p:cNvSpPr>
+            <a:spLocks noGrp="1"/>
+          </p:cNvSpPr>
+          <p:nvPr>
+            <p:ph type="body" idx="1"/>
+          </p:nvPr>
+        </p:nvSpPr>
+        <p:spPr/>
+        <p:txBody>
+          <a:bodyPr/>
+          <a:lstStyle/>
+          <a:p>
+            <a:endParaRPr lang="pt-BR" dirty="0"/>
+          </a:p>
+        </p:txBody>
+      </p:sp>
+      <p:sp>
+        <p:nvSpPr>
+          <p:cNvPr id="4" name="Slide Number Placeholder 3"/>
+          <p:cNvSpPr>
+            <a:spLocks noGrp="1"/>
+          </p:cNvSpPr>
+          <p:nvPr>
+            <p:ph type="sldNum" sz="quarter" idx="5"/>
+          </p:nvPr>
+        </p:nvSpPr>
+        <p:spPr/>
+        <p:txBody>
+          <a:bodyPr/>
+          <a:lstStyle/>
+          <a:p>
+            <a:fld id="{CE2B8404-7DFF-4128-BBDB-E2DC0C77B126}" type="slidenum">
+              <a:rPr lang="en-US" smtClean="0"/>
+              <a:pPr/>
+              <a:t>8</a:t>
+            </a:fld>
+            <a:endParaRPr lang="en-US"/>
+          </a:p>
+        </p:txBody>
+      </p:sp>
+    </p:spTree>
+    <p:extLst>
+      <p:ext uri="{BB962C8B-B14F-4D97-AF65-F5344CB8AC3E}">
+        <p14:creationId xmlns:p14="http://schemas.microsoft.com/office/powerpoint/2010/main" val="149680878"/>
+      </p:ext>
+    </p:extLst>
+  </p:cSld>
+  <p:clrMapOvr>
+    <a:masterClrMapping/>
+  </p:clrMapOvr>
+</p:notes>
+</file>
+
 <file path=ppt/slideLayouts/slideLayout1.xml><?xml version="1.0" encoding="utf-8"?>
 <p:sldLayout xmlns:a="http://schemas.openxmlformats.org/drawingml/2006/main" xmlns:r="http://schemas.openxmlformats.org/officeDocument/2006/relationships" xmlns:p="http://schemas.openxmlformats.org/presentationml/2006/main" type="title" preserve="1">
   <p:cSld name="Title Slide">
@@ -855,7 +1222,7 @@
           <a:p>
             <a:fld id="{0A0255A0-EE2B-6E49-A611-C16850102233}" type="datetimeFigureOut">
               <a:rPr lang="en-US" smtClean="0"/>
-              <a:t>7/6/2020</a:t>
+              <a:t>7/14/2020</a:t>
             </a:fld>
             <a:endParaRPr lang="en-US"/>
           </a:p>
@@ -1049,7 +1416,7 @@
           <a:p>
             <a:fld id="{0A0255A0-EE2B-6E49-A611-C16850102233}" type="datetimeFigureOut">
               <a:rPr lang="en-US" smtClean="0"/>
-              <a:t>7/6/2020</a:t>
+              <a:t>7/14/2020</a:t>
             </a:fld>
             <a:endParaRPr lang="en-US"/>
           </a:p>
@@ -1253,7 +1620,7 @@
           <a:p>
             <a:fld id="{0A0255A0-EE2B-6E49-A611-C16850102233}" type="datetimeFigureOut">
               <a:rPr lang="en-US" smtClean="0"/>
-              <a:t>7/6/2020</a:t>
+              <a:t>7/14/2020</a:t>
             </a:fld>
             <a:endParaRPr lang="en-US"/>
           </a:p>
@@ -3259,7 +3626,7 @@
           <a:p>
             <a:fld id="{0A0255A0-EE2B-6E49-A611-C16850102233}" type="datetimeFigureOut">
               <a:rPr lang="en-US" smtClean="0"/>
-              <a:t>7/6/2020</a:t>
+              <a:t>7/14/2020</a:t>
             </a:fld>
             <a:endParaRPr lang="en-US"/>
           </a:p>
@@ -3529,7 +3896,7 @@
           <a:p>
             <a:fld id="{0A0255A0-EE2B-6E49-A611-C16850102233}" type="datetimeFigureOut">
               <a:rPr lang="en-US" smtClean="0"/>
-              <a:t>7/6/2020</a:t>
+              <a:t>7/14/2020</a:t>
             </a:fld>
             <a:endParaRPr lang="en-US"/>
           </a:p>
@@ -3841,7 +4208,7 @@
           <a:p>
             <a:fld id="{0A0255A0-EE2B-6E49-A611-C16850102233}" type="datetimeFigureOut">
               <a:rPr lang="en-US" smtClean="0"/>
-              <a:t>7/6/2020</a:t>
+              <a:t>7/14/2020</a:t>
             </a:fld>
             <a:endParaRPr lang="en-US"/>
           </a:p>
@@ -4287,7 +4654,7 @@
           <a:p>
             <a:fld id="{0A0255A0-EE2B-6E49-A611-C16850102233}" type="datetimeFigureOut">
               <a:rPr lang="en-US" smtClean="0"/>
-              <a:t>7/6/2020</a:t>
+              <a:t>7/14/2020</a:t>
             </a:fld>
             <a:endParaRPr lang="en-US"/>
           </a:p>
@@ -4429,7 +4796,7 @@
           <a:p>
             <a:fld id="{0A0255A0-EE2B-6E49-A611-C16850102233}" type="datetimeFigureOut">
               <a:rPr lang="en-US" smtClean="0"/>
-              <a:t>7/6/2020</a:t>
+              <a:t>7/14/2020</a:t>
             </a:fld>
             <a:endParaRPr lang="en-US"/>
           </a:p>
@@ -4548,7 +4915,7 @@
           <a:p>
             <a:fld id="{0A0255A0-EE2B-6E49-A611-C16850102233}" type="datetimeFigureOut">
               <a:rPr lang="en-US" smtClean="0"/>
-              <a:t>7/6/2020</a:t>
+              <a:t>7/14/2020</a:t>
             </a:fld>
             <a:endParaRPr lang="en-US"/>
           </a:p>
@@ -4849,7 +5216,7 @@
           <a:p>
             <a:fld id="{0A0255A0-EE2B-6E49-A611-C16850102233}" type="datetimeFigureOut">
               <a:rPr lang="en-US" smtClean="0"/>
-              <a:t>7/6/2020</a:t>
+              <a:t>7/14/2020</a:t>
             </a:fld>
             <a:endParaRPr lang="en-US"/>
           </a:p>
@@ -5126,7 +5493,7 @@
           <a:p>
             <a:fld id="{0A0255A0-EE2B-6E49-A611-C16850102233}" type="datetimeFigureOut">
               <a:rPr lang="en-US" smtClean="0"/>
-              <a:t>7/6/2020</a:t>
+              <a:t>7/14/2020</a:t>
             </a:fld>
             <a:endParaRPr lang="en-US"/>
           </a:p>
@@ -6892,7 +7259,7 @@
           <p:nvPr/>
         </p:nvPicPr>
         <p:blipFill>
-          <a:blip r:embed="rId2">
+          <a:blip r:embed="rId3">
             <a:extLst>
               <a:ext uri="{28A0092B-C50C-407E-A947-70E740481C1C}">
                 <a14:useLocalDpi xmlns:a14="http://schemas.microsoft.com/office/drawing/2010/main" val="0"/>
@@ -8407,23 +8774,7 @@
                 <a:latin typeface="Segoe UI" panose="020B0502040204020203" pitchFamily="34" charset="0"/>
                 <a:cs typeface="Segoe UI" panose="020B0502040204020203" pitchFamily="34" charset="0"/>
               </a:rPr>
-              <a:t>prestador-paulo.kolbe@b3.com.br/</a:t>
-            </a:r>
-            <a:br>
-              <a:rPr lang="pt-BR" sz="2000" dirty="0">
-                <a:latin typeface="Segoe UI" panose="020B0502040204020203" pitchFamily="34" charset="0"/>
-                <a:cs typeface="Segoe UI" panose="020B0502040204020203" pitchFamily="34" charset="0"/>
-              </a:rPr>
-            </a:br>
-            <a:r>
-              <a:rPr lang="pt-BR" sz="2000" dirty="0">
-                <a:solidFill>
-                  <a:schemeClr val="accent1"/>
-                </a:solidFill>
-                <a:latin typeface="Segoe UI" panose="020B0502040204020203" pitchFamily="34" charset="0"/>
-                <a:cs typeface="Segoe UI" panose="020B0502040204020203" pitchFamily="34" charset="0"/>
-              </a:rPr>
-              <a:t>paulo.kolbe@gft.com</a:t>
+              <a:t>lace@b3.com.br</a:t>
             </a:r>
           </a:p>
         </p:txBody>
@@ -8443,7 +8794,7 @@
           <p:nvPr/>
         </p:nvPicPr>
         <p:blipFill rotWithShape="1">
-          <a:blip r:embed="rId2" cstate="print">
+          <a:blip r:embed="rId3" cstate="print">
             <a:extLst>
               <a:ext uri="{28A0092B-C50C-407E-A947-70E740481C1C}">
                 <a14:useLocalDpi xmlns:a14="http://schemas.microsoft.com/office/drawing/2010/main" val="0"/>
@@ -8478,7 +8829,7 @@
           <p:nvPr/>
         </p:nvPicPr>
         <p:blipFill rotWithShape="1">
-          <a:blip r:embed="rId3">
+          <a:blip r:embed="rId4">
             <a:extLst>
               <a:ext uri="{28A0092B-C50C-407E-A947-70E740481C1C}">
                 <a14:useLocalDpi xmlns:a14="http://schemas.microsoft.com/office/drawing/2010/main" val="0"/>
@@ -9415,6 +9766,15 @@
 </file>
 
 <file path=customXml/item1.xml><?xml version="1.0" encoding="utf-8"?>
+<?mso-contentType ?>
+<FormTemplates xmlns="http://schemas.microsoft.com/sharepoint/v3/contenttype/forms">
+  <Display>DocumentLibraryForm</Display>
+  <Edit>DocumentLibraryForm</Edit>
+  <New>DocumentLibraryForm</New>
+</FormTemplates>
+</file>
+
+<file path=customXml/item2.xml><?xml version="1.0" encoding="utf-8"?>
 <p:properties xmlns:p="http://schemas.microsoft.com/office/2006/metadata/properties" xmlns:xsi="http://www.w3.org/2001/XMLSchema-instance" xmlns:pc="http://schemas.microsoft.com/office/infopath/2007/PartnerControls">
   <documentManagement>
     <PublishingExpirationDate xmlns="http://schemas.microsoft.com/sharepoint/v3" xsi:nil="true"/>
@@ -9423,7 +9783,7 @@
 </p:properties>
 </file>
 
-<file path=customXml/item2.xml><?xml version="1.0" encoding="utf-8"?>
+<file path=customXml/item3.xml><?xml version="1.0" encoding="utf-8"?>
 <ct:contentTypeSchema xmlns:ct="http://schemas.microsoft.com/office/2006/metadata/contentType" xmlns:ma="http://schemas.microsoft.com/office/2006/metadata/properties/metaAttributes" ct:_="" ma:_="" ma:contentTypeName="Documento" ma:contentTypeID="0x0101001996EFEF7D0459479C2B077F9CC506F4" ma:contentTypeVersion="10" ma:contentTypeDescription="Crie um novo documento." ma:contentTypeScope="" ma:versionID="43cd10b64f265b7dd32059be640333a9">
   <xsd:schema xmlns:xsd="http://www.w3.org/2001/XMLSchema" xmlns:xs="http://www.w3.org/2001/XMLSchema" xmlns:p="http://schemas.microsoft.com/office/2006/metadata/properties" xmlns:ns1="http://schemas.microsoft.com/sharepoint/v3" xmlns:ns2="80facd6c-f04a-426f-adbd-b3840a7840bd" xmlns:ns3="d33496c5-bd94-446e-a363-fca1fec0d15a" targetNamespace="http://schemas.microsoft.com/office/2006/metadata/properties" ma:root="true" ma:fieldsID="0d6b128c5ce9545d0d2912f9a975af95" ns1:_="" ns2:_="" ns3:_="">
     <xsd:import namespace="http://schemas.microsoft.com/sharepoint/v3"/>
@@ -9637,16 +9997,15 @@
 </ct:contentTypeSchema>
 </file>
 
-<file path=customXml/item3.xml><?xml version="1.0" encoding="utf-8"?>
-<?mso-contentType ?>
-<FormTemplates xmlns="http://schemas.microsoft.com/sharepoint/v3/contenttype/forms">
-  <Display>DocumentLibraryForm</Display>
-  <Edit>DocumentLibraryForm</Edit>
-  <New>DocumentLibraryForm</New>
-</FormTemplates>
+<file path=customXml/itemProps1.xml><?xml version="1.0" encoding="utf-8"?>
+<ds:datastoreItem xmlns:ds="http://schemas.openxmlformats.org/officeDocument/2006/customXml" ds:itemID="{98DACE87-CD74-4C35-ADF8-12B4276F2F66}">
+  <ds:schemaRefs>
+    <ds:schemaRef ds:uri="http://schemas.microsoft.com/sharepoint/v3/contenttype/forms"/>
+  </ds:schemaRefs>
+</ds:datastoreItem>
 </file>
 
-<file path=customXml/itemProps1.xml><?xml version="1.0" encoding="utf-8"?>
+<file path=customXml/itemProps2.xml><?xml version="1.0" encoding="utf-8"?>
 <ds:datastoreItem xmlns:ds="http://schemas.openxmlformats.org/officeDocument/2006/customXml" ds:itemID="{BEF3FD83-2601-46A9-AA9B-655B326F1C5E}">
   <ds:schemaRefs>
     <ds:schemaRef ds:uri="http://schemas.microsoft.com/office/2006/metadata/properties"/>
@@ -9656,7 +10015,7 @@
 </ds:datastoreItem>
 </file>
 
-<file path=customXml/itemProps2.xml><?xml version="1.0" encoding="utf-8"?>
+<file path=customXml/itemProps3.xml><?xml version="1.0" encoding="utf-8"?>
 <ds:datastoreItem xmlns:ds="http://schemas.openxmlformats.org/officeDocument/2006/customXml" ds:itemID="{AB30B8D0-9C02-4061-951A-8B7B3A86F5B0}">
   <ds:schemaRefs>
     <ds:schemaRef ds:uri="http://schemas.microsoft.com/office/2006/metadata/contentType"/>
@@ -9674,12 +10033,4 @@
     <ds:schemaRef ds:uri="http://schemas.microsoft.com/internal/obd"/>
   </ds:schemaRefs>
 </ds:datastoreItem>
-</file>
-
-<file path=customXml/itemProps3.xml><?xml version="1.0" encoding="utf-8"?>
-<ds:datastoreItem xmlns:ds="http://schemas.openxmlformats.org/officeDocument/2006/customXml" ds:itemID="{98DACE87-CD74-4C35-ADF8-12B4276F2F66}">
-  <ds:schemaRefs>
-    <ds:schemaRef ds:uri="http://schemas.microsoft.com/sharepoint/v3/contenttype/forms"/>
-  </ds:schemaRefs>
-</ds:datastoreItem>
 </file>